--- a/python_lec_1_jp.pptx
+++ b/python_lec_1_jp.pptx
@@ -249,7 +249,7 @@
           <a:p>
             <a:fld id="{23D58FE3-8707-4959-914C-461408141BC6}" type="datetimeFigureOut">
               <a:rPr kumimoji="1" lang="ja-JP" altLang="en-US" smtClean="0"/>
-              <a:t>2016/6/26</a:t>
+              <a:t>2016/6/27</a:t>
             </a:fld>
             <a:endParaRPr kumimoji="1" lang="ja-JP" altLang="en-US" dirty="0"/>
           </a:p>
@@ -860,7 +860,7 @@
           <a:p>
             <a:fld id="{93DD1304-1914-457C-A1BC-7E8F1F5129C9}" type="datetimeFigureOut">
               <a:rPr lang="en-US" smtClean="0"/>
-              <a:t>6/26/2016</a:t>
+              <a:t>6/27/2016</a:t>
             </a:fld>
             <a:endParaRPr lang="en-US" dirty="0"/>
           </a:p>
@@ -1030,7 +1030,7 @@
           <a:p>
             <a:fld id="{93DD1304-1914-457C-A1BC-7E8F1F5129C9}" type="datetimeFigureOut">
               <a:rPr lang="en-US" smtClean="0"/>
-              <a:t>6/26/2016</a:t>
+              <a:t>6/27/2016</a:t>
             </a:fld>
             <a:endParaRPr lang="en-US" dirty="0"/>
           </a:p>
@@ -1210,7 +1210,7 @@
           <a:p>
             <a:fld id="{93DD1304-1914-457C-A1BC-7E8F1F5129C9}" type="datetimeFigureOut">
               <a:rPr lang="en-US" smtClean="0"/>
-              <a:t>6/26/2016</a:t>
+              <a:t>6/27/2016</a:t>
             </a:fld>
             <a:endParaRPr lang="en-US" dirty="0"/>
           </a:p>
@@ -1380,7 +1380,7 @@
           <a:p>
             <a:fld id="{93DD1304-1914-457C-A1BC-7E8F1F5129C9}" type="datetimeFigureOut">
               <a:rPr lang="en-US" smtClean="0"/>
-              <a:t>6/26/2016</a:t>
+              <a:t>6/27/2016</a:t>
             </a:fld>
             <a:endParaRPr lang="en-US" dirty="0"/>
           </a:p>
@@ -1626,7 +1626,7 @@
           <a:p>
             <a:fld id="{93DD1304-1914-457C-A1BC-7E8F1F5129C9}" type="datetimeFigureOut">
               <a:rPr lang="en-US" smtClean="0"/>
-              <a:t>6/26/2016</a:t>
+              <a:t>6/27/2016</a:t>
             </a:fld>
             <a:endParaRPr lang="en-US" dirty="0"/>
           </a:p>
@@ -1858,7 +1858,7 @@
           <a:p>
             <a:fld id="{93DD1304-1914-457C-A1BC-7E8F1F5129C9}" type="datetimeFigureOut">
               <a:rPr lang="en-US" smtClean="0"/>
-              <a:t>6/26/2016</a:t>
+              <a:t>6/27/2016</a:t>
             </a:fld>
             <a:endParaRPr lang="en-US" dirty="0"/>
           </a:p>
@@ -2225,7 +2225,7 @@
           <a:p>
             <a:fld id="{93DD1304-1914-457C-A1BC-7E8F1F5129C9}" type="datetimeFigureOut">
               <a:rPr lang="en-US" smtClean="0"/>
-              <a:t>6/26/2016</a:t>
+              <a:t>6/27/2016</a:t>
             </a:fld>
             <a:endParaRPr lang="en-US" dirty="0"/>
           </a:p>
@@ -2343,7 +2343,7 @@
           <a:p>
             <a:fld id="{93DD1304-1914-457C-A1BC-7E8F1F5129C9}" type="datetimeFigureOut">
               <a:rPr lang="en-US" smtClean="0"/>
-              <a:t>6/26/2016</a:t>
+              <a:t>6/27/2016</a:t>
             </a:fld>
             <a:endParaRPr lang="en-US" dirty="0"/>
           </a:p>
@@ -2438,7 +2438,7 @@
           <a:p>
             <a:fld id="{93DD1304-1914-457C-A1BC-7E8F1F5129C9}" type="datetimeFigureOut">
               <a:rPr lang="en-US" smtClean="0"/>
-              <a:t>6/26/2016</a:t>
+              <a:t>6/27/2016</a:t>
             </a:fld>
             <a:endParaRPr lang="en-US" dirty="0"/>
           </a:p>
@@ -2715,7 +2715,7 @@
           <a:p>
             <a:fld id="{93DD1304-1914-457C-A1BC-7E8F1F5129C9}" type="datetimeFigureOut">
               <a:rPr lang="en-US" smtClean="0"/>
-              <a:t>6/26/2016</a:t>
+              <a:t>6/27/2016</a:t>
             </a:fld>
             <a:endParaRPr lang="en-US" dirty="0"/>
           </a:p>
@@ -2968,7 +2968,7 @@
           <a:p>
             <a:fld id="{93DD1304-1914-457C-A1BC-7E8F1F5129C9}" type="datetimeFigureOut">
               <a:rPr lang="en-US" smtClean="0"/>
-              <a:t>6/26/2016</a:t>
+              <a:t>6/27/2016</a:t>
             </a:fld>
             <a:endParaRPr lang="en-US" dirty="0"/>
           </a:p>
@@ -3181,7 +3181,7 @@
           <a:p>
             <a:fld id="{93DD1304-1914-457C-A1BC-7E8F1F5129C9}" type="datetimeFigureOut">
               <a:rPr lang="en-US" smtClean="0"/>
-              <a:t>6/26/2016</a:t>
+              <a:t>6/27/2016</a:t>
             </a:fld>
             <a:endParaRPr lang="en-US" dirty="0"/>
           </a:p>
@@ -4555,21 +4555,21 @@
                 <a:gridCol w="1662176">
                   <a:extLst>
                     <a:ext uri="{9D8B030D-6E8A-4147-A177-3AD203B41FA5}">
-                      <a16:colId xmlns:a16="http://schemas.microsoft.com/office/drawing/2014/main" xmlns="" val="20000"/>
+                      <a16:colId xmlns="" xmlns:a16="http://schemas.microsoft.com/office/drawing/2014/main" val="20000"/>
                     </a:ext>
                   </a:extLst>
                 </a:gridCol>
                 <a:gridCol w="3756490">
                   <a:extLst>
                     <a:ext uri="{9D8B030D-6E8A-4147-A177-3AD203B41FA5}">
-                      <a16:colId xmlns:a16="http://schemas.microsoft.com/office/drawing/2014/main" xmlns="" val="20001"/>
+                      <a16:colId xmlns="" xmlns:a16="http://schemas.microsoft.com/office/drawing/2014/main" val="20001"/>
                     </a:ext>
                   </a:extLst>
                 </a:gridCol>
                 <a:gridCol w="2709333">
                   <a:extLst>
                     <a:ext uri="{9D8B030D-6E8A-4147-A177-3AD203B41FA5}">
-                      <a16:colId xmlns:a16="http://schemas.microsoft.com/office/drawing/2014/main" xmlns="" val="20002"/>
+                      <a16:colId xmlns="" xmlns:a16="http://schemas.microsoft.com/office/drawing/2014/main" val="20002"/>
                     </a:ext>
                   </a:extLst>
                 </a:gridCol>
@@ -4619,7 +4619,7 @@
                 </a:tc>
                 <a:extLst>
                   <a:ext uri="{0D108BD9-81ED-4DB2-BD59-A6C34878D82A}">
-                    <a16:rowId xmlns:a16="http://schemas.microsoft.com/office/drawing/2014/main" xmlns="" val="10000"/>
+                    <a16:rowId xmlns="" xmlns:a16="http://schemas.microsoft.com/office/drawing/2014/main" val="10000"/>
                   </a:ext>
                 </a:extLst>
               </a:tr>
@@ -4668,7 +4668,7 @@
                 </a:tc>
                 <a:extLst>
                   <a:ext uri="{0D108BD9-81ED-4DB2-BD59-A6C34878D82A}">
-                    <a16:rowId xmlns:a16="http://schemas.microsoft.com/office/drawing/2014/main" xmlns="" val="10001"/>
+                    <a16:rowId xmlns="" xmlns:a16="http://schemas.microsoft.com/office/drawing/2014/main" val="10001"/>
                   </a:ext>
                 </a:extLst>
               </a:tr>
@@ -4717,7 +4717,7 @@
                 </a:tc>
                 <a:extLst>
                   <a:ext uri="{0D108BD9-81ED-4DB2-BD59-A6C34878D82A}">
-                    <a16:rowId xmlns:a16="http://schemas.microsoft.com/office/drawing/2014/main" xmlns="" val="10002"/>
+                    <a16:rowId xmlns="" xmlns:a16="http://schemas.microsoft.com/office/drawing/2014/main" val="10002"/>
                   </a:ext>
                 </a:extLst>
               </a:tr>
@@ -4766,7 +4766,7 @@
                 </a:tc>
                 <a:extLst>
                   <a:ext uri="{0D108BD9-81ED-4DB2-BD59-A6C34878D82A}">
-                    <a16:rowId xmlns:a16="http://schemas.microsoft.com/office/drawing/2014/main" xmlns="" val="10003"/>
+                    <a16:rowId xmlns="" xmlns:a16="http://schemas.microsoft.com/office/drawing/2014/main" val="10003"/>
                   </a:ext>
                 </a:extLst>
               </a:tr>
@@ -4815,7 +4815,7 @@
                 </a:tc>
                 <a:extLst>
                   <a:ext uri="{0D108BD9-81ED-4DB2-BD59-A6C34878D82A}">
-                    <a16:rowId xmlns:a16="http://schemas.microsoft.com/office/drawing/2014/main" xmlns="" val="10004"/>
+                    <a16:rowId xmlns="" xmlns:a16="http://schemas.microsoft.com/office/drawing/2014/main" val="10004"/>
                   </a:ext>
                 </a:extLst>
               </a:tr>
@@ -4864,7 +4864,7 @@
                 </a:tc>
                 <a:extLst>
                   <a:ext uri="{0D108BD9-81ED-4DB2-BD59-A6C34878D82A}">
-                    <a16:rowId xmlns:a16="http://schemas.microsoft.com/office/drawing/2014/main" xmlns="" val="10005"/>
+                    <a16:rowId xmlns="" xmlns:a16="http://schemas.microsoft.com/office/drawing/2014/main" val="10005"/>
                   </a:ext>
                 </a:extLst>
               </a:tr>
@@ -4928,7 +4928,7 @@
                 </a:tc>
                 <a:extLst>
                   <a:ext uri="{0D108BD9-81ED-4DB2-BD59-A6C34878D82A}">
-                    <a16:rowId xmlns:a16="http://schemas.microsoft.com/office/drawing/2014/main" xmlns="" val="10006"/>
+                    <a16:rowId xmlns="" xmlns:a16="http://schemas.microsoft.com/office/drawing/2014/main" val="10006"/>
                   </a:ext>
                 </a:extLst>
               </a:tr>
@@ -4998,7 +4998,7 @@
                 </a:tc>
                 <a:extLst>
                   <a:ext uri="{0D108BD9-81ED-4DB2-BD59-A6C34878D82A}">
-                    <a16:rowId xmlns:a16="http://schemas.microsoft.com/office/drawing/2014/main" xmlns="" val="10007"/>
+                    <a16:rowId xmlns="" xmlns:a16="http://schemas.microsoft.com/office/drawing/2014/main" val="10007"/>
                   </a:ext>
                 </a:extLst>
               </a:tr>
@@ -5484,21 +5484,21 @@
                 <a:gridCol w="1168400">
                   <a:extLst>
                     <a:ext uri="{9D8B030D-6E8A-4147-A177-3AD203B41FA5}">
-                      <a16:colId xmlns:a16="http://schemas.microsoft.com/office/drawing/2014/main" xmlns="" val="20000"/>
+                      <a16:colId xmlns="" xmlns:a16="http://schemas.microsoft.com/office/drawing/2014/main" val="20000"/>
                     </a:ext>
                   </a:extLst>
                 </a:gridCol>
                 <a:gridCol w="4250266">
                   <a:extLst>
                     <a:ext uri="{9D8B030D-6E8A-4147-A177-3AD203B41FA5}">
-                      <a16:colId xmlns:a16="http://schemas.microsoft.com/office/drawing/2014/main" xmlns="" val="20001"/>
+                      <a16:colId xmlns="" xmlns:a16="http://schemas.microsoft.com/office/drawing/2014/main" val="20001"/>
                     </a:ext>
                   </a:extLst>
                 </a:gridCol>
                 <a:gridCol w="2709333">
                   <a:extLst>
                     <a:ext uri="{9D8B030D-6E8A-4147-A177-3AD203B41FA5}">
-                      <a16:colId xmlns:a16="http://schemas.microsoft.com/office/drawing/2014/main" xmlns="" val="20002"/>
+                      <a16:colId xmlns="" xmlns:a16="http://schemas.microsoft.com/office/drawing/2014/main" val="20002"/>
                     </a:ext>
                   </a:extLst>
                 </a:gridCol>
@@ -5548,7 +5548,7 @@
                 </a:tc>
                 <a:extLst>
                   <a:ext uri="{0D108BD9-81ED-4DB2-BD59-A6C34878D82A}">
-                    <a16:rowId xmlns:a16="http://schemas.microsoft.com/office/drawing/2014/main" xmlns="" val="10000"/>
+                    <a16:rowId xmlns="" xmlns:a16="http://schemas.microsoft.com/office/drawing/2014/main" val="10000"/>
                   </a:ext>
                 </a:extLst>
               </a:tr>
@@ -5605,7 +5605,7 @@
                 </a:tc>
                 <a:extLst>
                   <a:ext uri="{0D108BD9-81ED-4DB2-BD59-A6C34878D82A}">
-                    <a16:rowId xmlns:a16="http://schemas.microsoft.com/office/drawing/2014/main" xmlns="" val="10001"/>
+                    <a16:rowId xmlns="" xmlns:a16="http://schemas.microsoft.com/office/drawing/2014/main" val="10001"/>
                   </a:ext>
                 </a:extLst>
               </a:tr>
@@ -5662,7 +5662,7 @@
                 </a:tc>
                 <a:extLst>
                   <a:ext uri="{0D108BD9-81ED-4DB2-BD59-A6C34878D82A}">
-                    <a16:rowId xmlns:a16="http://schemas.microsoft.com/office/drawing/2014/main" xmlns="" val="10002"/>
+                    <a16:rowId xmlns="" xmlns:a16="http://schemas.microsoft.com/office/drawing/2014/main" val="10002"/>
                   </a:ext>
                 </a:extLst>
               </a:tr>
@@ -5719,7 +5719,7 @@
                 </a:tc>
                 <a:extLst>
                   <a:ext uri="{0D108BD9-81ED-4DB2-BD59-A6C34878D82A}">
-                    <a16:rowId xmlns:a16="http://schemas.microsoft.com/office/drawing/2014/main" xmlns="" val="10003"/>
+                    <a16:rowId xmlns="" xmlns:a16="http://schemas.microsoft.com/office/drawing/2014/main" val="10003"/>
                   </a:ext>
                 </a:extLst>
               </a:tr>
@@ -5776,7 +5776,7 @@
                 </a:tc>
                 <a:extLst>
                   <a:ext uri="{0D108BD9-81ED-4DB2-BD59-A6C34878D82A}">
-                    <a16:rowId xmlns:a16="http://schemas.microsoft.com/office/drawing/2014/main" xmlns="" val="10004"/>
+                    <a16:rowId xmlns="" xmlns:a16="http://schemas.microsoft.com/office/drawing/2014/main" val="10004"/>
                   </a:ext>
                 </a:extLst>
               </a:tr>
@@ -5825,7 +5825,7 @@
                 </a:tc>
                 <a:extLst>
                   <a:ext uri="{0D108BD9-81ED-4DB2-BD59-A6C34878D82A}">
-                    <a16:rowId xmlns:a16="http://schemas.microsoft.com/office/drawing/2014/main" xmlns="" val="10005"/>
+                    <a16:rowId xmlns="" xmlns:a16="http://schemas.microsoft.com/office/drawing/2014/main" val="10005"/>
                   </a:ext>
                 </a:extLst>
               </a:tr>
@@ -5874,7 +5874,7 @@
                 </a:tc>
                 <a:extLst>
                   <a:ext uri="{0D108BD9-81ED-4DB2-BD59-A6C34878D82A}">
-                    <a16:rowId xmlns:a16="http://schemas.microsoft.com/office/drawing/2014/main" xmlns="" val="10006"/>
+                    <a16:rowId xmlns="" xmlns:a16="http://schemas.microsoft.com/office/drawing/2014/main" val="10006"/>
                   </a:ext>
                 </a:extLst>
               </a:tr>
@@ -6034,14 +6034,14 @@
                 <a:gridCol w="1059295">
                   <a:extLst>
                     <a:ext uri="{9D8B030D-6E8A-4147-A177-3AD203B41FA5}">
-                      <a16:colId xmlns:a16="http://schemas.microsoft.com/office/drawing/2014/main" xmlns="" val="20000"/>
+                      <a16:colId xmlns="" xmlns:a16="http://schemas.microsoft.com/office/drawing/2014/main" val="20000"/>
                     </a:ext>
                   </a:extLst>
                 </a:gridCol>
                 <a:gridCol w="3794760">
                   <a:extLst>
                     <a:ext uri="{9D8B030D-6E8A-4147-A177-3AD203B41FA5}">
-                      <a16:colId xmlns:a16="http://schemas.microsoft.com/office/drawing/2014/main" xmlns="" val="20001"/>
+                      <a16:colId xmlns="" xmlns:a16="http://schemas.microsoft.com/office/drawing/2014/main" val="20001"/>
                     </a:ext>
                   </a:extLst>
                 </a:gridCol>
@@ -6077,7 +6077,7 @@
                 </a:tc>
                 <a:extLst>
                   <a:ext uri="{0D108BD9-81ED-4DB2-BD59-A6C34878D82A}">
-                    <a16:rowId xmlns:a16="http://schemas.microsoft.com/office/drawing/2014/main" xmlns="" val="10000"/>
+                    <a16:rowId xmlns="" xmlns:a16="http://schemas.microsoft.com/office/drawing/2014/main" val="10000"/>
                   </a:ext>
                 </a:extLst>
               </a:tr>
@@ -6132,7 +6132,7 @@
                 </a:tc>
                 <a:extLst>
                   <a:ext uri="{0D108BD9-81ED-4DB2-BD59-A6C34878D82A}">
-                    <a16:rowId xmlns:a16="http://schemas.microsoft.com/office/drawing/2014/main" xmlns="" val="10001"/>
+                    <a16:rowId xmlns="" xmlns:a16="http://schemas.microsoft.com/office/drawing/2014/main" val="10001"/>
                   </a:ext>
                 </a:extLst>
               </a:tr>
@@ -6179,7 +6179,7 @@
                 </a:tc>
                 <a:extLst>
                   <a:ext uri="{0D108BD9-81ED-4DB2-BD59-A6C34878D82A}">
-                    <a16:rowId xmlns:a16="http://schemas.microsoft.com/office/drawing/2014/main" xmlns="" val="10002"/>
+                    <a16:rowId xmlns="" xmlns:a16="http://schemas.microsoft.com/office/drawing/2014/main" val="10002"/>
                   </a:ext>
                 </a:extLst>
               </a:tr>
@@ -6226,7 +6226,7 @@
                 </a:tc>
                 <a:extLst>
                   <a:ext uri="{0D108BD9-81ED-4DB2-BD59-A6C34878D82A}">
-                    <a16:rowId xmlns:a16="http://schemas.microsoft.com/office/drawing/2014/main" xmlns="" val="10003"/>
+                    <a16:rowId xmlns="" xmlns:a16="http://schemas.microsoft.com/office/drawing/2014/main" val="10003"/>
                   </a:ext>
                 </a:extLst>
               </a:tr>
@@ -6273,7 +6273,7 @@
                 </a:tc>
                 <a:extLst>
                   <a:ext uri="{0D108BD9-81ED-4DB2-BD59-A6C34878D82A}">
-                    <a16:rowId xmlns:a16="http://schemas.microsoft.com/office/drawing/2014/main" xmlns="" val="10004"/>
+                    <a16:rowId xmlns="" xmlns:a16="http://schemas.microsoft.com/office/drawing/2014/main" val="10004"/>
                   </a:ext>
                 </a:extLst>
               </a:tr>
@@ -6324,7 +6324,7 @@
                 </a:tc>
                 <a:extLst>
                   <a:ext uri="{0D108BD9-81ED-4DB2-BD59-A6C34878D82A}">
-                    <a16:rowId xmlns:a16="http://schemas.microsoft.com/office/drawing/2014/main" xmlns="" val="10005"/>
+                    <a16:rowId xmlns="" xmlns:a16="http://schemas.microsoft.com/office/drawing/2014/main" val="10005"/>
                   </a:ext>
                 </a:extLst>
               </a:tr>
@@ -6371,7 +6371,7 @@
                 </a:tc>
                 <a:extLst>
                   <a:ext uri="{0D108BD9-81ED-4DB2-BD59-A6C34878D82A}">
-                    <a16:rowId xmlns:a16="http://schemas.microsoft.com/office/drawing/2014/main" xmlns="" val="10006"/>
+                    <a16:rowId xmlns="" xmlns:a16="http://schemas.microsoft.com/office/drawing/2014/main" val="10006"/>
                   </a:ext>
                 </a:extLst>
               </a:tr>
@@ -6418,7 +6418,7 @@
                 </a:tc>
                 <a:extLst>
                   <a:ext uri="{0D108BD9-81ED-4DB2-BD59-A6C34878D82A}">
-                    <a16:rowId xmlns:a16="http://schemas.microsoft.com/office/drawing/2014/main" xmlns="" val="10007"/>
+                    <a16:rowId xmlns="" xmlns:a16="http://schemas.microsoft.com/office/drawing/2014/main" val="10007"/>
                   </a:ext>
                 </a:extLst>
               </a:tr>
@@ -6465,7 +6465,7 @@
                 </a:tc>
                 <a:extLst>
                   <a:ext uri="{0D108BD9-81ED-4DB2-BD59-A6C34878D82A}">
-                    <a16:rowId xmlns:a16="http://schemas.microsoft.com/office/drawing/2014/main" xmlns="" val="10008"/>
+                    <a16:rowId xmlns="" xmlns:a16="http://schemas.microsoft.com/office/drawing/2014/main" val="10008"/>
                   </a:ext>
                 </a:extLst>
               </a:tr>
@@ -6568,21 +6568,21 @@
                 <a:gridCol w="1223360">
                   <a:extLst>
                     <a:ext uri="{9D8B030D-6E8A-4147-A177-3AD203B41FA5}">
-                      <a16:colId xmlns:a16="http://schemas.microsoft.com/office/drawing/2014/main" xmlns="" val="20000"/>
+                      <a16:colId xmlns="" xmlns:a16="http://schemas.microsoft.com/office/drawing/2014/main" val="20000"/>
                     </a:ext>
                   </a:extLst>
                 </a:gridCol>
                 <a:gridCol w="4574085">
                   <a:extLst>
                     <a:ext uri="{9D8B030D-6E8A-4147-A177-3AD203B41FA5}">
-                      <a16:colId xmlns:a16="http://schemas.microsoft.com/office/drawing/2014/main" xmlns="" val="20001"/>
+                      <a16:colId xmlns="" xmlns:a16="http://schemas.microsoft.com/office/drawing/2014/main" val="20001"/>
                     </a:ext>
                   </a:extLst>
                 </a:gridCol>
                 <a:gridCol w="3435963">
                   <a:extLst>
                     <a:ext uri="{9D8B030D-6E8A-4147-A177-3AD203B41FA5}">
-                      <a16:colId xmlns:a16="http://schemas.microsoft.com/office/drawing/2014/main" xmlns="" val="20002"/>
+                      <a16:colId xmlns="" xmlns:a16="http://schemas.microsoft.com/office/drawing/2014/main" val="20002"/>
                     </a:ext>
                   </a:extLst>
                 </a:gridCol>
@@ -6632,7 +6632,7 @@
                 </a:tc>
                 <a:extLst>
                   <a:ext uri="{0D108BD9-81ED-4DB2-BD59-A6C34878D82A}">
-                    <a16:rowId xmlns:a16="http://schemas.microsoft.com/office/drawing/2014/main" xmlns="" val="10000"/>
+                    <a16:rowId xmlns="" xmlns:a16="http://schemas.microsoft.com/office/drawing/2014/main" val="10000"/>
                   </a:ext>
                 </a:extLst>
               </a:tr>
@@ -6701,7 +6701,7 @@
                 </a:tc>
                 <a:extLst>
                   <a:ext uri="{0D108BD9-81ED-4DB2-BD59-A6C34878D82A}">
-                    <a16:rowId xmlns:a16="http://schemas.microsoft.com/office/drawing/2014/main" xmlns="" val="10001"/>
+                    <a16:rowId xmlns="" xmlns:a16="http://schemas.microsoft.com/office/drawing/2014/main" val="10001"/>
                   </a:ext>
                 </a:extLst>
               </a:tr>
@@ -6861,7 +6861,7 @@
                 </a:tc>
                 <a:extLst>
                   <a:ext uri="{0D108BD9-81ED-4DB2-BD59-A6C34878D82A}">
-                    <a16:rowId xmlns:a16="http://schemas.microsoft.com/office/drawing/2014/main" xmlns="" val="10002"/>
+                    <a16:rowId xmlns="" xmlns:a16="http://schemas.microsoft.com/office/drawing/2014/main" val="10002"/>
                   </a:ext>
                 </a:extLst>
               </a:tr>
@@ -6927,21 +6927,21 @@
                 <a:gridCol w="1277737">
                   <a:extLst>
                     <a:ext uri="{9D8B030D-6E8A-4147-A177-3AD203B41FA5}">
-                      <a16:colId xmlns:a16="http://schemas.microsoft.com/office/drawing/2014/main" xmlns="" val="20000"/>
+                      <a16:colId xmlns="" xmlns:a16="http://schemas.microsoft.com/office/drawing/2014/main" val="20000"/>
                     </a:ext>
                   </a:extLst>
                 </a:gridCol>
                 <a:gridCol w="4877869">
                   <a:extLst>
                     <a:ext uri="{9D8B030D-6E8A-4147-A177-3AD203B41FA5}">
-                      <a16:colId xmlns:a16="http://schemas.microsoft.com/office/drawing/2014/main" xmlns="" val="20001"/>
+                      <a16:colId xmlns="" xmlns:a16="http://schemas.microsoft.com/office/drawing/2014/main" val="20001"/>
                     </a:ext>
                   </a:extLst>
                 </a:gridCol>
                 <a:gridCol w="3077803">
                   <a:extLst>
                     <a:ext uri="{9D8B030D-6E8A-4147-A177-3AD203B41FA5}">
-                      <a16:colId xmlns:a16="http://schemas.microsoft.com/office/drawing/2014/main" xmlns="" val="20002"/>
+                      <a16:colId xmlns="" xmlns:a16="http://schemas.microsoft.com/office/drawing/2014/main" val="20002"/>
                     </a:ext>
                   </a:extLst>
                 </a:gridCol>
@@ -6991,7 +6991,7 @@
                 </a:tc>
                 <a:extLst>
                   <a:ext uri="{0D108BD9-81ED-4DB2-BD59-A6C34878D82A}">
-                    <a16:rowId xmlns:a16="http://schemas.microsoft.com/office/drawing/2014/main" xmlns="" val="10000"/>
+                    <a16:rowId xmlns="" xmlns:a16="http://schemas.microsoft.com/office/drawing/2014/main" val="10000"/>
                   </a:ext>
                 </a:extLst>
               </a:tr>
@@ -7056,7 +7056,7 @@
                 </a:tc>
                 <a:extLst>
                   <a:ext uri="{0D108BD9-81ED-4DB2-BD59-A6C34878D82A}">
-                    <a16:rowId xmlns:a16="http://schemas.microsoft.com/office/drawing/2014/main" xmlns="" val="10001"/>
+                    <a16:rowId xmlns="" xmlns:a16="http://schemas.microsoft.com/office/drawing/2014/main" val="10001"/>
                   </a:ext>
                 </a:extLst>
               </a:tr>
@@ -7121,7 +7121,7 @@
                 </a:tc>
                 <a:extLst>
                   <a:ext uri="{0D108BD9-81ED-4DB2-BD59-A6C34878D82A}">
-                    <a16:rowId xmlns:a16="http://schemas.microsoft.com/office/drawing/2014/main" xmlns="" val="10002"/>
+                    <a16:rowId xmlns="" xmlns:a16="http://schemas.microsoft.com/office/drawing/2014/main" val="10002"/>
                   </a:ext>
                 </a:extLst>
               </a:tr>
@@ -11810,14 +11810,14 @@
                 <a:gridCol w="2466848">
                   <a:extLst>
                     <a:ext uri="{9D8B030D-6E8A-4147-A177-3AD203B41FA5}">
-                      <a16:colId xmlns:a16="http://schemas.microsoft.com/office/drawing/2014/main" xmlns="" val="20000"/>
+                      <a16:colId xmlns="" xmlns:a16="http://schemas.microsoft.com/office/drawing/2014/main" val="20000"/>
                     </a:ext>
                   </a:extLst>
                 </a:gridCol>
                 <a:gridCol w="5239512">
                   <a:extLst>
                     <a:ext uri="{9D8B030D-6E8A-4147-A177-3AD203B41FA5}">
-                      <a16:colId xmlns:a16="http://schemas.microsoft.com/office/drawing/2014/main" xmlns="" val="20001"/>
+                      <a16:colId xmlns="" xmlns:a16="http://schemas.microsoft.com/office/drawing/2014/main" val="20001"/>
                     </a:ext>
                   </a:extLst>
                 </a:gridCol>
@@ -11855,7 +11855,7 @@
                 </a:tc>
                 <a:extLst>
                   <a:ext uri="{0D108BD9-81ED-4DB2-BD59-A6C34878D82A}">
-                    <a16:rowId xmlns:a16="http://schemas.microsoft.com/office/drawing/2014/main" xmlns="" val="10000"/>
+                    <a16:rowId xmlns="" xmlns:a16="http://schemas.microsoft.com/office/drawing/2014/main" val="10000"/>
                   </a:ext>
                 </a:extLst>
               </a:tr>
@@ -11933,7 +11933,7 @@
                 </a:tc>
                 <a:extLst>
                   <a:ext uri="{0D108BD9-81ED-4DB2-BD59-A6C34878D82A}">
-                    <a16:rowId xmlns:a16="http://schemas.microsoft.com/office/drawing/2014/main" xmlns="" val="10001"/>
+                    <a16:rowId xmlns="" xmlns:a16="http://schemas.microsoft.com/office/drawing/2014/main" val="10001"/>
                   </a:ext>
                 </a:extLst>
               </a:tr>
@@ -12014,7 +12014,7 @@
                 </a:tc>
                 <a:extLst>
                   <a:ext uri="{0D108BD9-81ED-4DB2-BD59-A6C34878D82A}">
-                    <a16:rowId xmlns:a16="http://schemas.microsoft.com/office/drawing/2014/main" xmlns="" val="10002"/>
+                    <a16:rowId xmlns="" xmlns:a16="http://schemas.microsoft.com/office/drawing/2014/main" val="10002"/>
                   </a:ext>
                 </a:extLst>
               </a:tr>
@@ -12122,7 +12122,7 @@
                 </a:tc>
                 <a:extLst>
                   <a:ext uri="{0D108BD9-81ED-4DB2-BD59-A6C34878D82A}">
-                    <a16:rowId xmlns:a16="http://schemas.microsoft.com/office/drawing/2014/main" xmlns="" val="10003"/>
+                    <a16:rowId xmlns="" xmlns:a16="http://schemas.microsoft.com/office/drawing/2014/main" val="10003"/>
                   </a:ext>
                 </a:extLst>
               </a:tr>
@@ -12242,7 +12242,7 @@
                 </a:tc>
                 <a:extLst>
                   <a:ext uri="{0D108BD9-81ED-4DB2-BD59-A6C34878D82A}">
-                    <a16:rowId xmlns:a16="http://schemas.microsoft.com/office/drawing/2014/main" xmlns="" val="10004"/>
+                    <a16:rowId xmlns="" xmlns:a16="http://schemas.microsoft.com/office/drawing/2014/main" val="10004"/>
                   </a:ext>
                 </a:extLst>
               </a:tr>
@@ -12327,7 +12327,7 @@
                 </a:tc>
                 <a:extLst>
                   <a:ext uri="{0D108BD9-81ED-4DB2-BD59-A6C34878D82A}">
-                    <a16:rowId xmlns:a16="http://schemas.microsoft.com/office/drawing/2014/main" xmlns="" val="10005"/>
+                    <a16:rowId xmlns="" xmlns:a16="http://schemas.microsoft.com/office/drawing/2014/main" val="10005"/>
                   </a:ext>
                 </a:extLst>
               </a:tr>
@@ -12382,7 +12382,7 @@
                 </a:tc>
                 <a:extLst>
                   <a:ext uri="{0D108BD9-81ED-4DB2-BD59-A6C34878D82A}">
-                    <a16:rowId xmlns:a16="http://schemas.microsoft.com/office/drawing/2014/main" xmlns="" val="10006"/>
+                    <a16:rowId xmlns="" xmlns:a16="http://schemas.microsoft.com/office/drawing/2014/main" val="10006"/>
                   </a:ext>
                 </a:extLst>
               </a:tr>
@@ -12776,11 +12776,7 @@
           <a:p>
             <a:r>
               <a:rPr lang="ja-JP" altLang="en-US" dirty="0" smtClean="0"/>
-              <a:t>ディクショナ</a:t>
-            </a:r>
-            <a:r>
-              <a:rPr lang="ja-JP" altLang="en-US" dirty="0" smtClean="0"/>
-              <a:t>リ</a:t>
+              <a:t>ディクショナリ</a:t>
             </a:r>
             <a:endParaRPr lang="en-US" altLang="ja-JP" dirty="0"/>
           </a:p>
@@ -13808,21 +13804,21 @@
                 <a:gridCol w="3051048">
                   <a:extLst>
                     <a:ext uri="{9D8B030D-6E8A-4147-A177-3AD203B41FA5}">
-                      <a16:colId xmlns:a16="http://schemas.microsoft.com/office/drawing/2014/main" xmlns="" val="20000"/>
+                      <a16:colId xmlns="" xmlns:a16="http://schemas.microsoft.com/office/drawing/2014/main" val="20000"/>
                     </a:ext>
                   </a:extLst>
                 </a:gridCol>
                 <a:gridCol w="3051048">
                   <a:extLst>
                     <a:ext uri="{9D8B030D-6E8A-4147-A177-3AD203B41FA5}">
-                      <a16:colId xmlns:a16="http://schemas.microsoft.com/office/drawing/2014/main" xmlns="" val="20001"/>
+                      <a16:colId xmlns="" xmlns:a16="http://schemas.microsoft.com/office/drawing/2014/main" val="20001"/>
                     </a:ext>
                   </a:extLst>
                 </a:gridCol>
                 <a:gridCol w="3051048">
                   <a:extLst>
                     <a:ext uri="{9D8B030D-6E8A-4147-A177-3AD203B41FA5}">
-                      <a16:colId xmlns:a16="http://schemas.microsoft.com/office/drawing/2014/main" xmlns="" val="20002"/>
+                      <a16:colId xmlns="" xmlns:a16="http://schemas.microsoft.com/office/drawing/2014/main" val="20002"/>
                     </a:ext>
                   </a:extLst>
                 </a:gridCol>
@@ -13935,7 +13931,7 @@
                 </a:tc>
                 <a:extLst>
                   <a:ext uri="{0D108BD9-81ED-4DB2-BD59-A6C34878D82A}">
-                    <a16:rowId xmlns:a16="http://schemas.microsoft.com/office/drawing/2014/main" xmlns="" val="10000"/>
+                    <a16:rowId xmlns="" xmlns:a16="http://schemas.microsoft.com/office/drawing/2014/main" val="10000"/>
                   </a:ext>
                 </a:extLst>
               </a:tr>
@@ -14041,7 +14037,7 @@
                 </a:tc>
                 <a:extLst>
                   <a:ext uri="{0D108BD9-81ED-4DB2-BD59-A6C34878D82A}">
-                    <a16:rowId xmlns:a16="http://schemas.microsoft.com/office/drawing/2014/main" xmlns="" val="10001"/>
+                    <a16:rowId xmlns="" xmlns:a16="http://schemas.microsoft.com/office/drawing/2014/main" val="10001"/>
                   </a:ext>
                 </a:extLst>
               </a:tr>
@@ -14147,7 +14143,7 @@
                 </a:tc>
                 <a:extLst>
                   <a:ext uri="{0D108BD9-81ED-4DB2-BD59-A6C34878D82A}">
-                    <a16:rowId xmlns:a16="http://schemas.microsoft.com/office/drawing/2014/main" xmlns="" val="10002"/>
+                    <a16:rowId xmlns="" xmlns:a16="http://schemas.microsoft.com/office/drawing/2014/main" val="10002"/>
                   </a:ext>
                 </a:extLst>
               </a:tr>
@@ -14253,7 +14249,7 @@
                 </a:tc>
                 <a:extLst>
                   <a:ext uri="{0D108BD9-81ED-4DB2-BD59-A6C34878D82A}">
-                    <a16:rowId xmlns:a16="http://schemas.microsoft.com/office/drawing/2014/main" xmlns="" val="10003"/>
+                    <a16:rowId xmlns="" xmlns:a16="http://schemas.microsoft.com/office/drawing/2014/main" val="10003"/>
                   </a:ext>
                 </a:extLst>
               </a:tr>
@@ -14359,7 +14355,7 @@
                 </a:tc>
                 <a:extLst>
                   <a:ext uri="{0D108BD9-81ED-4DB2-BD59-A6C34878D82A}">
-                    <a16:rowId xmlns:a16="http://schemas.microsoft.com/office/drawing/2014/main" xmlns="" val="10004"/>
+                    <a16:rowId xmlns="" xmlns:a16="http://schemas.microsoft.com/office/drawing/2014/main" val="10004"/>
                   </a:ext>
                 </a:extLst>
               </a:tr>
@@ -14465,7 +14461,7 @@
                 </a:tc>
                 <a:extLst>
                   <a:ext uri="{0D108BD9-81ED-4DB2-BD59-A6C34878D82A}">
-                    <a16:rowId xmlns:a16="http://schemas.microsoft.com/office/drawing/2014/main" xmlns="" val="10005"/>
+                    <a16:rowId xmlns="" xmlns:a16="http://schemas.microsoft.com/office/drawing/2014/main" val="10005"/>
                   </a:ext>
                 </a:extLst>
               </a:tr>
@@ -14582,21 +14578,21 @@
                 <a:gridCol w="3051048">
                   <a:extLst>
                     <a:ext uri="{9D8B030D-6E8A-4147-A177-3AD203B41FA5}">
-                      <a16:colId xmlns:a16="http://schemas.microsoft.com/office/drawing/2014/main" xmlns="" val="20000"/>
+                      <a16:colId xmlns="" xmlns:a16="http://schemas.microsoft.com/office/drawing/2014/main" val="20000"/>
                     </a:ext>
                   </a:extLst>
                 </a:gridCol>
                 <a:gridCol w="3051048">
                   <a:extLst>
                     <a:ext uri="{9D8B030D-6E8A-4147-A177-3AD203B41FA5}">
-                      <a16:colId xmlns:a16="http://schemas.microsoft.com/office/drawing/2014/main" xmlns="" val="20001"/>
+                      <a16:colId xmlns="" xmlns:a16="http://schemas.microsoft.com/office/drawing/2014/main" val="20001"/>
                     </a:ext>
                   </a:extLst>
                 </a:gridCol>
                 <a:gridCol w="3051048">
                   <a:extLst>
                     <a:ext uri="{9D8B030D-6E8A-4147-A177-3AD203B41FA5}">
-                      <a16:colId xmlns:a16="http://schemas.microsoft.com/office/drawing/2014/main" xmlns="" val="20002"/>
+                      <a16:colId xmlns="" xmlns:a16="http://schemas.microsoft.com/office/drawing/2014/main" val="20002"/>
                     </a:ext>
                   </a:extLst>
                 </a:gridCol>
@@ -14709,7 +14705,7 @@
                 </a:tc>
                 <a:extLst>
                   <a:ext uri="{0D108BD9-81ED-4DB2-BD59-A6C34878D82A}">
-                    <a16:rowId xmlns:a16="http://schemas.microsoft.com/office/drawing/2014/main" xmlns="" val="10000"/>
+                    <a16:rowId xmlns="" xmlns:a16="http://schemas.microsoft.com/office/drawing/2014/main" val="10000"/>
                   </a:ext>
                 </a:extLst>
               </a:tr>
@@ -14815,7 +14811,7 @@
                 </a:tc>
                 <a:extLst>
                   <a:ext uri="{0D108BD9-81ED-4DB2-BD59-A6C34878D82A}">
-                    <a16:rowId xmlns:a16="http://schemas.microsoft.com/office/drawing/2014/main" xmlns="" val="10001"/>
+                    <a16:rowId xmlns="" xmlns:a16="http://schemas.microsoft.com/office/drawing/2014/main" val="10001"/>
                   </a:ext>
                 </a:extLst>
               </a:tr>
@@ -14921,7 +14917,7 @@
                 </a:tc>
                 <a:extLst>
                   <a:ext uri="{0D108BD9-81ED-4DB2-BD59-A6C34878D82A}">
-                    <a16:rowId xmlns:a16="http://schemas.microsoft.com/office/drawing/2014/main" xmlns="" val="10002"/>
+                    <a16:rowId xmlns="" xmlns:a16="http://schemas.microsoft.com/office/drawing/2014/main" val="10002"/>
                   </a:ext>
                 </a:extLst>
               </a:tr>
@@ -15027,7 +15023,7 @@
                 </a:tc>
                 <a:extLst>
                   <a:ext uri="{0D108BD9-81ED-4DB2-BD59-A6C34878D82A}">
-                    <a16:rowId xmlns:a16="http://schemas.microsoft.com/office/drawing/2014/main" xmlns="" val="10003"/>
+                    <a16:rowId xmlns="" xmlns:a16="http://schemas.microsoft.com/office/drawing/2014/main" val="10003"/>
                   </a:ext>
                 </a:extLst>
               </a:tr>
@@ -15098,14 +15094,14 @@
                 <a:gridCol w="449632">
                   <a:extLst>
                     <a:ext uri="{9D8B030D-6E8A-4147-A177-3AD203B41FA5}">
-                      <a16:colId xmlns:a16="http://schemas.microsoft.com/office/drawing/2014/main" xmlns="" val="20000"/>
+                      <a16:colId xmlns="" xmlns:a16="http://schemas.microsoft.com/office/drawing/2014/main" val="20000"/>
                     </a:ext>
                   </a:extLst>
                 </a:gridCol>
                 <a:gridCol w="4074742">
                   <a:extLst>
                     <a:ext uri="{9D8B030D-6E8A-4147-A177-3AD203B41FA5}">
-                      <a16:colId xmlns:a16="http://schemas.microsoft.com/office/drawing/2014/main" xmlns="" val="20001"/>
+                      <a16:colId xmlns="" xmlns:a16="http://schemas.microsoft.com/office/drawing/2014/main" val="20001"/>
                     </a:ext>
                   </a:extLst>
                 </a:gridCol>
@@ -15169,7 +15165,7 @@
                 </a:tc>
                 <a:extLst>
                   <a:ext uri="{0D108BD9-81ED-4DB2-BD59-A6C34878D82A}">
-                    <a16:rowId xmlns:a16="http://schemas.microsoft.com/office/drawing/2014/main" xmlns="" val="10000"/>
+                    <a16:rowId xmlns="" xmlns:a16="http://schemas.microsoft.com/office/drawing/2014/main" val="10000"/>
                   </a:ext>
                 </a:extLst>
               </a:tr>
@@ -15272,7 +15268,7 @@
                 </a:tc>
                 <a:extLst>
                   <a:ext uri="{0D108BD9-81ED-4DB2-BD59-A6C34878D82A}">
-                    <a16:rowId xmlns:a16="http://schemas.microsoft.com/office/drawing/2014/main" xmlns="" val="10001"/>
+                    <a16:rowId xmlns="" xmlns:a16="http://schemas.microsoft.com/office/drawing/2014/main" val="10001"/>
                   </a:ext>
                 </a:extLst>
               </a:tr>
@@ -15371,7 +15367,7 @@
                 </a:tc>
                 <a:extLst>
                   <a:ext uri="{0D108BD9-81ED-4DB2-BD59-A6C34878D82A}">
-                    <a16:rowId xmlns:a16="http://schemas.microsoft.com/office/drawing/2014/main" xmlns="" val="10002"/>
+                    <a16:rowId xmlns="" xmlns:a16="http://schemas.microsoft.com/office/drawing/2014/main" val="10002"/>
                   </a:ext>
                 </a:extLst>
               </a:tr>
@@ -15470,7 +15466,7 @@
                 </a:tc>
                 <a:extLst>
                   <a:ext uri="{0D108BD9-81ED-4DB2-BD59-A6C34878D82A}">
-                    <a16:rowId xmlns:a16="http://schemas.microsoft.com/office/drawing/2014/main" xmlns="" val="10003"/>
+                    <a16:rowId xmlns="" xmlns:a16="http://schemas.microsoft.com/office/drawing/2014/main" val="10003"/>
                   </a:ext>
                 </a:extLst>
               </a:tr>
@@ -15568,7 +15564,7 @@
                 </a:tc>
                 <a:extLst>
                   <a:ext uri="{0D108BD9-81ED-4DB2-BD59-A6C34878D82A}">
-                    <a16:rowId xmlns:a16="http://schemas.microsoft.com/office/drawing/2014/main" xmlns="" val="10004"/>
+                    <a16:rowId xmlns="" xmlns:a16="http://schemas.microsoft.com/office/drawing/2014/main" val="10004"/>
                   </a:ext>
                 </a:extLst>
               </a:tr>
@@ -15663,7 +15659,7 @@
                 </a:tc>
                 <a:extLst>
                   <a:ext uri="{0D108BD9-81ED-4DB2-BD59-A6C34878D82A}">
-                    <a16:rowId xmlns:a16="http://schemas.microsoft.com/office/drawing/2014/main" xmlns="" val="10005"/>
+                    <a16:rowId xmlns="" xmlns:a16="http://schemas.microsoft.com/office/drawing/2014/main" val="10005"/>
                   </a:ext>
                 </a:extLst>
               </a:tr>
@@ -15755,7 +15751,7 @@
                 </a:tc>
                 <a:extLst>
                   <a:ext uri="{0D108BD9-81ED-4DB2-BD59-A6C34878D82A}">
-                    <a16:rowId xmlns:a16="http://schemas.microsoft.com/office/drawing/2014/main" xmlns="" val="10006"/>
+                    <a16:rowId xmlns="" xmlns:a16="http://schemas.microsoft.com/office/drawing/2014/main" val="10006"/>
                   </a:ext>
                 </a:extLst>
               </a:tr>
@@ -15869,7 +15865,7 @@
                 </a:tc>
                 <a:extLst>
                   <a:ext uri="{0D108BD9-81ED-4DB2-BD59-A6C34878D82A}">
-                    <a16:rowId xmlns:a16="http://schemas.microsoft.com/office/drawing/2014/main" xmlns="" val="10007"/>
+                    <a16:rowId xmlns="" xmlns:a16="http://schemas.microsoft.com/office/drawing/2014/main" val="10007"/>
                   </a:ext>
                 </a:extLst>
               </a:tr>
@@ -15944,7 +15940,7 @@
                 </a:tc>
                 <a:extLst>
                   <a:ext uri="{0D108BD9-81ED-4DB2-BD59-A6C34878D82A}">
-                    <a16:rowId xmlns:a16="http://schemas.microsoft.com/office/drawing/2014/main" xmlns="" val="10008"/>
+                    <a16:rowId xmlns="" xmlns:a16="http://schemas.microsoft.com/office/drawing/2014/main" val="10008"/>
                   </a:ext>
                 </a:extLst>
               </a:tr>
@@ -16031,7 +16027,7 @@
                 </a:tc>
                 <a:extLst>
                   <a:ext uri="{0D108BD9-81ED-4DB2-BD59-A6C34878D82A}">
-                    <a16:rowId xmlns:a16="http://schemas.microsoft.com/office/drawing/2014/main" xmlns="" val="10009"/>
+                    <a16:rowId xmlns="" xmlns:a16="http://schemas.microsoft.com/office/drawing/2014/main" val="10009"/>
                   </a:ext>
                 </a:extLst>
               </a:tr>
@@ -16065,14 +16061,14 @@
                 <a:gridCol w="463337">
                   <a:extLst>
                     <a:ext uri="{9D8B030D-6E8A-4147-A177-3AD203B41FA5}">
-                      <a16:colId xmlns:a16="http://schemas.microsoft.com/office/drawing/2014/main" xmlns="" val="20000"/>
+                      <a16:colId xmlns="" xmlns:a16="http://schemas.microsoft.com/office/drawing/2014/main" val="20000"/>
                     </a:ext>
                   </a:extLst>
                 </a:gridCol>
                 <a:gridCol w="3989057">
                   <a:extLst>
                     <a:ext uri="{9D8B030D-6E8A-4147-A177-3AD203B41FA5}">
-                      <a16:colId xmlns:a16="http://schemas.microsoft.com/office/drawing/2014/main" xmlns="" val="20001"/>
+                      <a16:colId xmlns="" xmlns:a16="http://schemas.microsoft.com/office/drawing/2014/main" val="20001"/>
                     </a:ext>
                   </a:extLst>
                 </a:gridCol>
@@ -16136,7 +16132,7 @@
                 </a:tc>
                 <a:extLst>
                   <a:ext uri="{0D108BD9-81ED-4DB2-BD59-A6C34878D82A}">
-                    <a16:rowId xmlns:a16="http://schemas.microsoft.com/office/drawing/2014/main" xmlns="" val="10000"/>
+                    <a16:rowId xmlns="" xmlns:a16="http://schemas.microsoft.com/office/drawing/2014/main" val="10000"/>
                   </a:ext>
                 </a:extLst>
               </a:tr>
@@ -16222,7 +16218,7 @@
                 </a:tc>
                 <a:extLst>
                   <a:ext uri="{0D108BD9-81ED-4DB2-BD59-A6C34878D82A}">
-                    <a16:rowId xmlns:a16="http://schemas.microsoft.com/office/drawing/2014/main" xmlns="" val="10001"/>
+                    <a16:rowId xmlns="" xmlns:a16="http://schemas.microsoft.com/office/drawing/2014/main" val="10001"/>
                   </a:ext>
                 </a:extLst>
               </a:tr>
@@ -16312,7 +16308,7 @@
                 </a:tc>
                 <a:extLst>
                   <a:ext uri="{0D108BD9-81ED-4DB2-BD59-A6C34878D82A}">
-                    <a16:rowId xmlns:a16="http://schemas.microsoft.com/office/drawing/2014/main" xmlns="" val="10002"/>
+                    <a16:rowId xmlns="" xmlns:a16="http://schemas.microsoft.com/office/drawing/2014/main" val="10002"/>
                   </a:ext>
                 </a:extLst>
               </a:tr>
@@ -16392,7 +16388,7 @@
                 </a:tc>
                 <a:extLst>
                   <a:ext uri="{0D108BD9-81ED-4DB2-BD59-A6C34878D82A}">
-                    <a16:rowId xmlns:a16="http://schemas.microsoft.com/office/drawing/2014/main" xmlns="" val="10003"/>
+                    <a16:rowId xmlns="" xmlns:a16="http://schemas.microsoft.com/office/drawing/2014/main" val="10003"/>
                   </a:ext>
                 </a:extLst>
               </a:tr>
@@ -16472,7 +16468,7 @@
                 </a:tc>
                 <a:extLst>
                   <a:ext uri="{0D108BD9-81ED-4DB2-BD59-A6C34878D82A}">
-                    <a16:rowId xmlns:a16="http://schemas.microsoft.com/office/drawing/2014/main" xmlns="" val="10004"/>
+                    <a16:rowId xmlns="" xmlns:a16="http://schemas.microsoft.com/office/drawing/2014/main" val="10004"/>
                   </a:ext>
                 </a:extLst>
               </a:tr>
@@ -16568,7 +16564,7 @@
                 </a:tc>
                 <a:extLst>
                   <a:ext uri="{0D108BD9-81ED-4DB2-BD59-A6C34878D82A}">
-                    <a16:rowId xmlns:a16="http://schemas.microsoft.com/office/drawing/2014/main" xmlns="" val="10005"/>
+                    <a16:rowId xmlns="" xmlns:a16="http://schemas.microsoft.com/office/drawing/2014/main" val="10005"/>
                   </a:ext>
                 </a:extLst>
               </a:tr>
@@ -17740,14 +17736,14 @@
                 <a:gridCol w="466725">
                   <a:extLst>
                     <a:ext uri="{9D8B030D-6E8A-4147-A177-3AD203B41FA5}">
-                      <a16:colId xmlns:a16="http://schemas.microsoft.com/office/drawing/2014/main" xmlns="" val="20000"/>
+                      <a16:colId xmlns="" xmlns:a16="http://schemas.microsoft.com/office/drawing/2014/main" val="20000"/>
                     </a:ext>
                   </a:extLst>
                 </a:gridCol>
                 <a:gridCol w="5076826">
                   <a:extLst>
                     <a:ext uri="{9D8B030D-6E8A-4147-A177-3AD203B41FA5}">
-                      <a16:colId xmlns:a16="http://schemas.microsoft.com/office/drawing/2014/main" xmlns="" val="20001"/>
+                      <a16:colId xmlns="" xmlns:a16="http://schemas.microsoft.com/office/drawing/2014/main" val="20001"/>
                     </a:ext>
                   </a:extLst>
                 </a:gridCol>
@@ -17823,7 +17819,7 @@
                 </a:tc>
                 <a:extLst>
                   <a:ext uri="{0D108BD9-81ED-4DB2-BD59-A6C34878D82A}">
-                    <a16:rowId xmlns:a16="http://schemas.microsoft.com/office/drawing/2014/main" xmlns="" val="10000"/>
+                    <a16:rowId xmlns="" xmlns:a16="http://schemas.microsoft.com/office/drawing/2014/main" val="10000"/>
                   </a:ext>
                 </a:extLst>
               </a:tr>
@@ -17915,7 +17911,7 @@
                 </a:tc>
                 <a:extLst>
                   <a:ext uri="{0D108BD9-81ED-4DB2-BD59-A6C34878D82A}">
-                    <a16:rowId xmlns:a16="http://schemas.microsoft.com/office/drawing/2014/main" xmlns="" val="10001"/>
+                    <a16:rowId xmlns="" xmlns:a16="http://schemas.microsoft.com/office/drawing/2014/main" val="10001"/>
                   </a:ext>
                 </a:extLst>
               </a:tr>
@@ -18014,7 +18010,7 @@
                 </a:tc>
                 <a:extLst>
                   <a:ext uri="{0D108BD9-81ED-4DB2-BD59-A6C34878D82A}">
-                    <a16:rowId xmlns:a16="http://schemas.microsoft.com/office/drawing/2014/main" xmlns="" val="10002"/>
+                    <a16:rowId xmlns="" xmlns:a16="http://schemas.microsoft.com/office/drawing/2014/main" val="10002"/>
                   </a:ext>
                 </a:extLst>
               </a:tr>
@@ -18112,7 +18108,7 @@
                 </a:tc>
                 <a:extLst>
                   <a:ext uri="{0D108BD9-81ED-4DB2-BD59-A6C34878D82A}">
-                    <a16:rowId xmlns:a16="http://schemas.microsoft.com/office/drawing/2014/main" xmlns="" val="10003"/>
+                    <a16:rowId xmlns="" xmlns:a16="http://schemas.microsoft.com/office/drawing/2014/main" val="10003"/>
                   </a:ext>
                 </a:extLst>
               </a:tr>
@@ -18201,7 +18197,7 @@
                 </a:tc>
                 <a:extLst>
                   <a:ext uri="{0D108BD9-81ED-4DB2-BD59-A6C34878D82A}">
-                    <a16:rowId xmlns:a16="http://schemas.microsoft.com/office/drawing/2014/main" xmlns="" val="10004"/>
+                    <a16:rowId xmlns="" xmlns:a16="http://schemas.microsoft.com/office/drawing/2014/main" val="10004"/>
                   </a:ext>
                 </a:extLst>
               </a:tr>
@@ -18272,14 +18268,14 @@
                 <a:gridCol w="475982">
                   <a:extLst>
                     <a:ext uri="{9D8B030D-6E8A-4147-A177-3AD203B41FA5}">
-                      <a16:colId xmlns:a16="http://schemas.microsoft.com/office/drawing/2014/main" xmlns="" val="20000"/>
+                      <a16:colId xmlns="" xmlns:a16="http://schemas.microsoft.com/office/drawing/2014/main" val="20000"/>
                     </a:ext>
                   </a:extLst>
                 </a:gridCol>
                 <a:gridCol w="6153150">
                   <a:extLst>
                     <a:ext uri="{9D8B030D-6E8A-4147-A177-3AD203B41FA5}">
-                      <a16:colId xmlns:a16="http://schemas.microsoft.com/office/drawing/2014/main" xmlns="" val="20001"/>
+                      <a16:colId xmlns="" xmlns:a16="http://schemas.microsoft.com/office/drawing/2014/main" val="20001"/>
                     </a:ext>
                   </a:extLst>
                 </a:gridCol>
@@ -18355,7 +18351,7 @@
                 </a:tc>
                 <a:extLst>
                   <a:ext uri="{0D108BD9-81ED-4DB2-BD59-A6C34878D82A}">
-                    <a16:rowId xmlns:a16="http://schemas.microsoft.com/office/drawing/2014/main" xmlns="" val="10000"/>
+                    <a16:rowId xmlns="" xmlns:a16="http://schemas.microsoft.com/office/drawing/2014/main" val="10000"/>
                   </a:ext>
                 </a:extLst>
               </a:tr>
@@ -18446,7 +18442,7 @@
                 </a:tc>
                 <a:extLst>
                   <a:ext uri="{0D108BD9-81ED-4DB2-BD59-A6C34878D82A}">
-                    <a16:rowId xmlns:a16="http://schemas.microsoft.com/office/drawing/2014/main" xmlns="" val="10001"/>
+                    <a16:rowId xmlns="" xmlns:a16="http://schemas.microsoft.com/office/drawing/2014/main" val="10001"/>
                   </a:ext>
                 </a:extLst>
               </a:tr>
@@ -18533,7 +18529,7 @@
                 </a:tc>
                 <a:extLst>
                   <a:ext uri="{0D108BD9-81ED-4DB2-BD59-A6C34878D82A}">
-                    <a16:rowId xmlns:a16="http://schemas.microsoft.com/office/drawing/2014/main" xmlns="" val="10002"/>
+                    <a16:rowId xmlns="" xmlns:a16="http://schemas.microsoft.com/office/drawing/2014/main" val="10002"/>
                   </a:ext>
                 </a:extLst>
               </a:tr>
@@ -18689,7 +18685,7 @@
                 </a:tc>
                 <a:extLst>
                   <a:ext uri="{0D108BD9-81ED-4DB2-BD59-A6C34878D82A}">
-                    <a16:rowId xmlns:a16="http://schemas.microsoft.com/office/drawing/2014/main" xmlns="" val="10003"/>
+                    <a16:rowId xmlns="" xmlns:a16="http://schemas.microsoft.com/office/drawing/2014/main" val="10003"/>
                   </a:ext>
                 </a:extLst>
               </a:tr>
@@ -18788,7 +18784,7 @@
                 </a:tc>
                 <a:extLst>
                   <a:ext uri="{0D108BD9-81ED-4DB2-BD59-A6C34878D82A}">
-                    <a16:rowId xmlns:a16="http://schemas.microsoft.com/office/drawing/2014/main" xmlns="" val="10004"/>
+                    <a16:rowId xmlns="" xmlns:a16="http://schemas.microsoft.com/office/drawing/2014/main" val="10004"/>
                   </a:ext>
                 </a:extLst>
               </a:tr>
@@ -18891,7 +18887,7 @@
                 </a:tc>
                 <a:extLst>
                   <a:ext uri="{0D108BD9-81ED-4DB2-BD59-A6C34878D82A}">
-                    <a16:rowId xmlns:a16="http://schemas.microsoft.com/office/drawing/2014/main" xmlns="" val="10005"/>
+                    <a16:rowId xmlns="" xmlns:a16="http://schemas.microsoft.com/office/drawing/2014/main" val="10005"/>
                   </a:ext>
                 </a:extLst>
               </a:tr>
@@ -18994,7 +18990,7 @@
                 </a:tc>
                 <a:extLst>
                   <a:ext uri="{0D108BD9-81ED-4DB2-BD59-A6C34878D82A}">
-                    <a16:rowId xmlns:a16="http://schemas.microsoft.com/office/drawing/2014/main" xmlns="" val="10006"/>
+                    <a16:rowId xmlns="" xmlns:a16="http://schemas.microsoft.com/office/drawing/2014/main" val="10006"/>
                   </a:ext>
                 </a:extLst>
               </a:tr>
@@ -19097,7 +19093,7 @@
                 </a:tc>
                 <a:extLst>
                   <a:ext uri="{0D108BD9-81ED-4DB2-BD59-A6C34878D82A}">
-                    <a16:rowId xmlns:a16="http://schemas.microsoft.com/office/drawing/2014/main" xmlns="" val="10007"/>
+                    <a16:rowId xmlns="" xmlns:a16="http://schemas.microsoft.com/office/drawing/2014/main" val="10007"/>
                   </a:ext>
                 </a:extLst>
               </a:tr>
@@ -19196,7 +19192,7 @@
                 </a:tc>
                 <a:extLst>
                   <a:ext uri="{0D108BD9-81ED-4DB2-BD59-A6C34878D82A}">
-                    <a16:rowId xmlns:a16="http://schemas.microsoft.com/office/drawing/2014/main" xmlns="" val="10008"/>
+                    <a16:rowId xmlns="" xmlns:a16="http://schemas.microsoft.com/office/drawing/2014/main" val="10008"/>
                   </a:ext>
                 </a:extLst>
               </a:tr>
@@ -19303,7 +19299,7 @@
                 </a:tc>
                 <a:extLst>
                   <a:ext uri="{0D108BD9-81ED-4DB2-BD59-A6C34878D82A}">
-                    <a16:rowId xmlns:a16="http://schemas.microsoft.com/office/drawing/2014/main" xmlns="" val="10009"/>
+                    <a16:rowId xmlns="" xmlns:a16="http://schemas.microsoft.com/office/drawing/2014/main" val="10009"/>
                   </a:ext>
                 </a:extLst>
               </a:tr>
@@ -19406,7 +19402,7 @@
                 </a:tc>
                 <a:extLst>
                   <a:ext uri="{0D108BD9-81ED-4DB2-BD59-A6C34878D82A}">
-                    <a16:rowId xmlns:a16="http://schemas.microsoft.com/office/drawing/2014/main" xmlns="" val="10010"/>
+                    <a16:rowId xmlns="" xmlns:a16="http://schemas.microsoft.com/office/drawing/2014/main" val="10010"/>
                   </a:ext>
                 </a:extLst>
               </a:tr>
@@ -21244,60 +21240,68 @@
           </a:p>
           <a:p>
             <a:r>
-              <a:rPr lang="en-US" altLang="ja-JP" dirty="0" smtClean="0"/>
+              <a:rPr lang="en-US" altLang="ja-JP" dirty="0"/>
               <a:t>1</a:t>
             </a:r>
             <a:r>
-              <a:rPr lang="ja-JP" altLang="en-US" dirty="0" smtClean="0"/>
+              <a:rPr lang="ja-JP" altLang="en-US" dirty="0"/>
               <a:t>から</a:t>
             </a:r>
             <a:r>
-              <a:rPr lang="en-US" altLang="ja-JP" dirty="0" smtClean="0"/>
+              <a:rPr lang="en-US" altLang="ja-JP" dirty="0"/>
               <a:t>100</a:t>
             </a:r>
             <a:r>
-              <a:rPr lang="ja-JP" altLang="en-US" dirty="0" err="1" smtClean="0"/>
+              <a:rPr lang="ja-JP" altLang="en-US" dirty="0" err="1"/>
               <a:t>までの</a:t>
             </a:r>
             <a:r>
-              <a:rPr lang="ja-JP" altLang="en-US" dirty="0" smtClean="0"/>
-              <a:t>数から任意の数を選択しその値をユーザーに推測させるプログラムを作成せよ．試行回数は</a:t>
-            </a:r>
-            <a:r>
-              <a:rPr lang="en-US" altLang="ja-JP" dirty="0" smtClean="0"/>
+              <a:rPr lang="ja-JP" altLang="en-US" dirty="0"/>
+              <a:t>数から任意の数を選択しその値をコンピュータに推測させるプログラムを作成せよ．試行回数は</a:t>
+            </a:r>
+            <a:r>
+              <a:rPr lang="en-US" altLang="ja-JP" dirty="0"/>
               <a:t>7</a:t>
             </a:r>
             <a:r>
-              <a:rPr lang="ja-JP" altLang="en-US" dirty="0" smtClean="0"/>
-              <a:t>回とし，各試行の後にはユーザーの予測値が真値に対して</a:t>
-            </a:r>
-            <a:r>
-              <a:rPr lang="en-US" altLang="ja-JP" dirty="0" smtClean="0"/>
+              <a:rPr lang="ja-JP" altLang="en-US" dirty="0"/>
+              <a:t>回とし，各試行の後には予測値が真値に対して</a:t>
+            </a:r>
+            <a:r>
+              <a:rPr lang="en-US" altLang="ja-JP" dirty="0"/>
               <a:t>high </a:t>
             </a:r>
             <a:r>
-              <a:rPr lang="ja-JP" altLang="en-US" dirty="0" smtClean="0"/>
+              <a:rPr lang="ja-JP" altLang="en-US" dirty="0"/>
               <a:t>か</a:t>
             </a:r>
             <a:r>
-              <a:rPr lang="en-US" altLang="ja-JP" dirty="0" smtClean="0"/>
+              <a:rPr lang="en-US" altLang="ja-JP" dirty="0"/>
               <a:t>low </a:t>
             </a:r>
             <a:r>
-              <a:rPr lang="ja-JP" altLang="en-US" dirty="0" smtClean="0"/>
+              <a:rPr lang="ja-JP" altLang="en-US" dirty="0"/>
               <a:t>か </a:t>
             </a:r>
             <a:r>
-              <a:rPr lang="en-US" altLang="ja-JP" dirty="0" smtClean="0"/>
+              <a:rPr lang="en-US" altLang="ja-JP" dirty="0"/>
               <a:t>equal </a:t>
             </a:r>
             <a:r>
-              <a:rPr lang="ja-JP" altLang="en-US" dirty="0" err="1" smtClean="0"/>
+              <a:rPr lang="ja-JP" altLang="en-US" dirty="0" err="1"/>
               <a:t>なのかを</a:t>
             </a:r>
             <a:r>
-              <a:rPr lang="ja-JP" altLang="en-US" dirty="0" smtClean="0"/>
-              <a:t>出力せよ．</a:t>
+              <a:rPr lang="ja-JP" altLang="en-US" dirty="0"/>
+              <a:t>出力</a:t>
+            </a:r>
+            <a:r>
+              <a:rPr lang="ja-JP" altLang="en-US"/>
+              <a:t>せよ</a:t>
+            </a:r>
+            <a:r>
+              <a:rPr lang="ja-JP" altLang="en-US" smtClean="0"/>
+              <a:t>．</a:t>
             </a:r>
             <a:endParaRPr lang="en-US" dirty="0" smtClean="0"/>
           </a:p>
